--- a/Workshop 3_2025.pptx
+++ b/Workshop 3_2025.pptx
@@ -266,7 +266,7 @@
           <a:p>
             <a:fld id="{3A06C844-4EEF-411C-9B80-67E8791E2AA6}" type="datetimeFigureOut">
               <a:rPr lang="en-AU" smtClean="0"/>
-              <a:t>14/11/2024</a:t>
+              <a:t>26/11/2024</a:t>
             </a:fld>
             <a:endParaRPr lang="en-AU"/>
           </a:p>
@@ -466,7 +466,7 @@
           <a:p>
             <a:fld id="{3A06C844-4EEF-411C-9B80-67E8791E2AA6}" type="datetimeFigureOut">
               <a:rPr lang="en-AU" smtClean="0"/>
-              <a:t>14/11/2024</a:t>
+              <a:t>26/11/2024</a:t>
             </a:fld>
             <a:endParaRPr lang="en-AU"/>
           </a:p>
@@ -676,7 +676,7 @@
           <a:p>
             <a:fld id="{3A06C844-4EEF-411C-9B80-67E8791E2AA6}" type="datetimeFigureOut">
               <a:rPr lang="en-AU" smtClean="0"/>
-              <a:t>14/11/2024</a:t>
+              <a:t>26/11/2024</a:t>
             </a:fld>
             <a:endParaRPr lang="en-AU"/>
           </a:p>
@@ -876,7 +876,7 @@
           <a:p>
             <a:fld id="{3A06C844-4EEF-411C-9B80-67E8791E2AA6}" type="datetimeFigureOut">
               <a:rPr lang="en-AU" smtClean="0"/>
-              <a:t>14/11/2024</a:t>
+              <a:t>26/11/2024</a:t>
             </a:fld>
             <a:endParaRPr lang="en-AU"/>
           </a:p>
@@ -1152,7 +1152,7 @@
           <a:p>
             <a:fld id="{3A06C844-4EEF-411C-9B80-67E8791E2AA6}" type="datetimeFigureOut">
               <a:rPr lang="en-AU" smtClean="0"/>
-              <a:t>14/11/2024</a:t>
+              <a:t>26/11/2024</a:t>
             </a:fld>
             <a:endParaRPr lang="en-AU"/>
           </a:p>
@@ -1420,7 +1420,7 @@
           <a:p>
             <a:fld id="{3A06C844-4EEF-411C-9B80-67E8791E2AA6}" type="datetimeFigureOut">
               <a:rPr lang="en-AU" smtClean="0"/>
-              <a:t>14/11/2024</a:t>
+              <a:t>26/11/2024</a:t>
             </a:fld>
             <a:endParaRPr lang="en-AU"/>
           </a:p>
@@ -1835,7 +1835,7 @@
           <a:p>
             <a:fld id="{3A06C844-4EEF-411C-9B80-67E8791E2AA6}" type="datetimeFigureOut">
               <a:rPr lang="en-AU" smtClean="0"/>
-              <a:t>14/11/2024</a:t>
+              <a:t>26/11/2024</a:t>
             </a:fld>
             <a:endParaRPr lang="en-AU"/>
           </a:p>
@@ -1977,7 +1977,7 @@
           <a:p>
             <a:fld id="{3A06C844-4EEF-411C-9B80-67E8791E2AA6}" type="datetimeFigureOut">
               <a:rPr lang="en-AU" smtClean="0"/>
-              <a:t>14/11/2024</a:t>
+              <a:t>26/11/2024</a:t>
             </a:fld>
             <a:endParaRPr lang="en-AU"/>
           </a:p>
@@ -2090,7 +2090,7 @@
           <a:p>
             <a:fld id="{3A06C844-4EEF-411C-9B80-67E8791E2AA6}" type="datetimeFigureOut">
               <a:rPr lang="en-AU" smtClean="0"/>
-              <a:t>14/11/2024</a:t>
+              <a:t>26/11/2024</a:t>
             </a:fld>
             <a:endParaRPr lang="en-AU"/>
           </a:p>
@@ -2403,7 +2403,7 @@
           <a:p>
             <a:fld id="{3A06C844-4EEF-411C-9B80-67E8791E2AA6}" type="datetimeFigureOut">
               <a:rPr lang="en-AU" smtClean="0"/>
-              <a:t>14/11/2024</a:t>
+              <a:t>26/11/2024</a:t>
             </a:fld>
             <a:endParaRPr lang="en-AU"/>
           </a:p>
@@ -2692,7 +2692,7 @@
           <a:p>
             <a:fld id="{3A06C844-4EEF-411C-9B80-67E8791E2AA6}" type="datetimeFigureOut">
               <a:rPr lang="en-AU" smtClean="0"/>
-              <a:t>14/11/2024</a:t>
+              <a:t>26/11/2024</a:t>
             </a:fld>
             <a:endParaRPr lang="en-AU"/>
           </a:p>
@@ -2935,7 +2935,7 @@
           <a:p>
             <a:fld id="{3A06C844-4EEF-411C-9B80-67E8791E2AA6}" type="datetimeFigureOut">
               <a:rPr lang="en-AU" smtClean="0"/>
-              <a:t>14/11/2024</a:t>
+              <a:t>26/11/2024</a:t>
             </a:fld>
             <a:endParaRPr lang="en-AU"/>
           </a:p>
@@ -4075,8 +4075,8 @@
         </p:blipFill>
         <p:spPr>
           <a:xfrm>
-            <a:off x="5819375" y="373107"/>
-            <a:ext cx="5200339" cy="6106307"/>
+            <a:off x="5819375" y="506966"/>
+            <a:ext cx="5200339" cy="5838588"/>
           </a:xfrm>
           <a:prstGeom prst="rect">
             <a:avLst/>
